--- a/v20181130 Final Presentation.pptx
+++ b/v20181130 Final Presentation.pptx
@@ -5,7 +5,7 @@
     <p:sldMasterId id="2147483660" r:id="rId1"/>
   </p:sldMasterIdLst>
   <p:notesMasterIdLst>
-    <p:notesMasterId r:id="rId23"/>
+    <p:notesMasterId r:id="rId24"/>
   </p:notesMasterIdLst>
   <p:sldIdLst>
     <p:sldId id="256" r:id="rId2"/>
@@ -19,16 +19,17 @@
     <p:sldId id="264" r:id="rId10"/>
     <p:sldId id="265" r:id="rId11"/>
     <p:sldId id="266" r:id="rId12"/>
-    <p:sldId id="267" r:id="rId13"/>
-    <p:sldId id="268" r:id="rId14"/>
-    <p:sldId id="269" r:id="rId15"/>
-    <p:sldId id="270" r:id="rId16"/>
-    <p:sldId id="271" r:id="rId17"/>
-    <p:sldId id="272" r:id="rId18"/>
-    <p:sldId id="273" r:id="rId19"/>
-    <p:sldId id="275" r:id="rId20"/>
-    <p:sldId id="274" r:id="rId21"/>
-    <p:sldId id="276" r:id="rId22"/>
+    <p:sldId id="277" r:id="rId13"/>
+    <p:sldId id="267" r:id="rId14"/>
+    <p:sldId id="268" r:id="rId15"/>
+    <p:sldId id="269" r:id="rId16"/>
+    <p:sldId id="270" r:id="rId17"/>
+    <p:sldId id="271" r:id="rId18"/>
+    <p:sldId id="272" r:id="rId19"/>
+    <p:sldId id="273" r:id="rId20"/>
+    <p:sldId id="275" r:id="rId21"/>
+    <p:sldId id="274" r:id="rId22"/>
+    <p:sldId id="276" r:id="rId23"/>
   </p:sldIdLst>
   <p:sldSz cx="9144000" cy="6858000" type="screen4x3"/>
   <p:notesSz cx="6858000" cy="9144000"/>
@@ -159,6 +160,7 @@
             <p14:sldId id="264"/>
             <p14:sldId id="265"/>
             <p14:sldId id="266"/>
+            <p14:sldId id="277"/>
             <p14:sldId id="267"/>
             <p14:sldId id="268"/>
             <p14:sldId id="269"/>
@@ -605,6 +607,90 @@
     <p:extLst>
       <p:ext uri="{BB962C8B-B14F-4D97-AF65-F5344CB8AC3E}">
         <p14:creationId xmlns:p14="http://schemas.microsoft.com/office/powerpoint/2010/main" val="2337598832"/>
+      </p:ext>
+    </p:extLst>
+  </p:cSld>
+  <p:clrMapOvr>
+    <a:masterClrMapping/>
+  </p:clrMapOvr>
+</p:notes>
+</file>
+
+<file path=ppt/notesSlides/notesSlide2.xml><?xml version="1.0" encoding="utf-8"?>
+<p:notes xmlns:a="http://schemas.openxmlformats.org/drawingml/2006/main" xmlns:r="http://schemas.openxmlformats.org/officeDocument/2006/relationships" xmlns:p="http://schemas.openxmlformats.org/presentationml/2006/main">
+  <p:cSld>
+    <p:spTree>
+      <p:nvGrpSpPr>
+        <p:cNvPr id="1" name=""/>
+        <p:cNvGrpSpPr/>
+        <p:nvPr/>
+      </p:nvGrpSpPr>
+      <p:grpSpPr>
+        <a:xfrm>
+          <a:off x="0" y="0"/>
+          <a:ext cx="0" cy="0"/>
+          <a:chOff x="0" y="0"/>
+          <a:chExt cx="0" cy="0"/>
+        </a:xfrm>
+      </p:grpSpPr>
+      <p:sp>
+        <p:nvSpPr>
+          <p:cNvPr id="2" name="슬라이드 이미지 개체 틀 1"/>
+          <p:cNvSpPr>
+            <a:spLocks noGrp="1" noRot="1" noChangeAspect="1"/>
+          </p:cNvSpPr>
+          <p:nvPr>
+            <p:ph type="sldImg"/>
+          </p:nvPr>
+        </p:nvSpPr>
+        <p:spPr/>
+      </p:sp>
+      <p:sp>
+        <p:nvSpPr>
+          <p:cNvPr id="3" name="슬라이드 노트 개체 틀 2"/>
+          <p:cNvSpPr>
+            <a:spLocks noGrp="1"/>
+          </p:cNvSpPr>
+          <p:nvPr>
+            <p:ph type="body" idx="1"/>
+          </p:nvPr>
+        </p:nvSpPr>
+        <p:spPr/>
+        <p:txBody>
+          <a:bodyPr/>
+          <a:lstStyle/>
+          <a:p>
+            <a:endParaRPr lang="ko-KR" altLang="en-US" dirty="0"/>
+          </a:p>
+        </p:txBody>
+      </p:sp>
+      <p:sp>
+        <p:nvSpPr>
+          <p:cNvPr id="4" name="슬라이드 번호 개체 틀 3"/>
+          <p:cNvSpPr>
+            <a:spLocks noGrp="1"/>
+          </p:cNvSpPr>
+          <p:nvPr>
+            <p:ph type="sldNum" sz="quarter" idx="10"/>
+          </p:nvPr>
+        </p:nvSpPr>
+        <p:spPr/>
+        <p:txBody>
+          <a:bodyPr/>
+          <a:lstStyle/>
+          <a:p>
+            <a:fld id="{801B111E-7D52-40FC-955D-65BBD4E00E82}" type="slidenum">
+              <a:rPr lang="ko-KR" altLang="en-US" smtClean="0"/>
+              <a:t>12</a:t>
+            </a:fld>
+            <a:endParaRPr lang="ko-KR" altLang="en-US"/>
+          </a:p>
+        </p:txBody>
+      </p:sp>
+    </p:spTree>
+    <p:extLst>
+      <p:ext uri="{BB962C8B-B14F-4D97-AF65-F5344CB8AC3E}">
+        <p14:creationId xmlns:p14="http://schemas.microsoft.com/office/powerpoint/2010/main" val="1687283540"/>
       </p:ext>
     </p:extLst>
   </p:cSld>
@@ -3793,11 +3879,7 @@
           <a:p>
             <a:r>
               <a:rPr lang="en-US" altLang="ko-KR" sz="2500" dirty="0" smtClean="0"/>
-              <a:t>Main function </a:t>
-            </a:r>
-            <a:r>
-              <a:rPr lang="en-US" altLang="ko-KR" sz="2500" dirty="0" smtClean="0"/>
-              <a:t>1-1</a:t>
+              <a:t>Main function 1-1</a:t>
             </a:r>
             <a:endParaRPr lang="ko-KR" altLang="en-US" sz="2500" dirty="0"/>
           </a:p>
@@ -3993,83 +4075,27 @@
           <a:chExt cx="0" cy="0"/>
         </a:xfrm>
       </p:grpSpPr>
-      <p:pic>
-        <p:nvPicPr>
-          <p:cNvPr id="2" name="그림 1"/>
-          <p:cNvPicPr>
-            <a:picLocks noChangeAspect="1"/>
-          </p:cNvPicPr>
-          <p:nvPr/>
-        </p:nvPicPr>
-        <p:blipFill>
-          <a:blip r:embed="rId2"/>
-          <a:stretch>
-            <a:fillRect/>
-          </a:stretch>
-        </p:blipFill>
-        <p:spPr>
-          <a:xfrm>
-            <a:off x="1595617" y="950976"/>
-            <a:ext cx="5952766" cy="5638800"/>
-          </a:xfrm>
-          <a:prstGeom prst="rect">
-            <a:avLst/>
-          </a:prstGeom>
-        </p:spPr>
-      </p:pic>
       <p:sp>
         <p:nvSpPr>
-          <p:cNvPr id="4" name="TextBox 3"/>
-          <p:cNvSpPr txBox="1"/>
+          <p:cNvPr id="20" name="직사각형 19"/>
+          <p:cNvSpPr/>
           <p:nvPr/>
         </p:nvSpPr>
         <p:spPr>
           <a:xfrm>
-            <a:off x="413911" y="341376"/>
-            <a:ext cx="2509020" cy="477054"/>
+            <a:off x="413911" y="3693595"/>
+            <a:ext cx="2697533" cy="416650"/>
           </a:xfrm>
           <a:prstGeom prst="rect">
             <a:avLst/>
           </a:prstGeom>
-          <a:noFill/>
-        </p:spPr>
-        <p:txBody>
-          <a:bodyPr wrap="none" rtlCol="0">
-            <a:spAutoFit/>
-          </a:bodyPr>
-          <a:lstStyle/>
-          <a:p>
-            <a:r>
-              <a:rPr lang="en-US" altLang="ko-KR" sz="2500" dirty="0" smtClean="0"/>
-              <a:t>Main function </a:t>
-            </a:r>
-            <a:r>
-              <a:rPr lang="en-US" altLang="ko-KR" sz="2500" dirty="0" smtClean="0"/>
-              <a:t>1-2</a:t>
-            </a:r>
-            <a:endParaRPr lang="ko-KR" altLang="en-US" sz="2500" dirty="0"/>
-          </a:p>
-        </p:txBody>
-      </p:sp>
-      <p:sp>
-        <p:nvSpPr>
-          <p:cNvPr id="14" name="직사각형 13"/>
-          <p:cNvSpPr/>
-          <p:nvPr/>
-        </p:nvSpPr>
-        <p:spPr>
-          <a:xfrm>
-            <a:off x="1657933" y="5340096"/>
-            <a:ext cx="3401747" cy="1249680"/>
-          </a:xfrm>
-          <a:prstGeom prst="rect">
-            <a:avLst/>
-          </a:prstGeom>
-          <a:noFill/>
-          <a:ln w="38100">
-            <a:solidFill>
-              <a:srgbClr val="FF0000"/>
-            </a:solidFill>
+          <a:solidFill>
+            <a:srgbClr val="00B050">
+              <a:alpha val="50000"/>
+            </a:srgbClr>
+          </a:solidFill>
+          <a:ln>
+            <a:noFill/>
           </a:ln>
         </p:spPr>
         <p:style>
@@ -4097,10 +4123,1309 @@
           </a:p>
         </p:txBody>
       </p:sp>
+      <p:sp>
+        <p:nvSpPr>
+          <p:cNvPr id="19" name="직사각형 18"/>
+          <p:cNvSpPr/>
+          <p:nvPr/>
+        </p:nvSpPr>
+        <p:spPr>
+          <a:xfrm>
+            <a:off x="413912" y="3693593"/>
+            <a:ext cx="1214864" cy="416651"/>
+          </a:xfrm>
+          <a:prstGeom prst="rect">
+            <a:avLst/>
+          </a:prstGeom>
+          <a:solidFill>
+            <a:srgbClr val="0070C0">
+              <a:alpha val="50000"/>
+            </a:srgbClr>
+          </a:solidFill>
+          <a:ln>
+            <a:noFill/>
+          </a:ln>
+        </p:spPr>
+        <p:style>
+          <a:lnRef idx="2">
+            <a:schemeClr val="accent1">
+              <a:shade val="50000"/>
+            </a:schemeClr>
+          </a:lnRef>
+          <a:fillRef idx="1">
+            <a:schemeClr val="accent1"/>
+          </a:fillRef>
+          <a:effectRef idx="0">
+            <a:schemeClr val="accent1"/>
+          </a:effectRef>
+          <a:fontRef idx="minor">
+            <a:schemeClr val="lt1"/>
+          </a:fontRef>
+        </p:style>
+        <p:txBody>
+          <a:bodyPr rtlCol="0" anchor="ctr"/>
+          <a:lstStyle/>
+          <a:p>
+            <a:pPr algn="ctr"/>
+            <a:endParaRPr lang="ko-KR" altLang="en-US"/>
+          </a:p>
+        </p:txBody>
+      </p:sp>
+      <p:sp>
+        <p:nvSpPr>
+          <p:cNvPr id="15" name="직사각형 14"/>
+          <p:cNvSpPr/>
+          <p:nvPr/>
+        </p:nvSpPr>
+        <p:spPr>
+          <a:xfrm>
+            <a:off x="413911" y="881465"/>
+            <a:ext cx="8012913" cy="2631490"/>
+          </a:xfrm>
+          <a:prstGeom prst="rect">
+            <a:avLst/>
+          </a:prstGeom>
+          <a:solidFill>
+            <a:srgbClr val="00B050">
+              <a:alpha val="50000"/>
+            </a:srgbClr>
+          </a:solidFill>
+          <a:ln>
+            <a:noFill/>
+          </a:ln>
+        </p:spPr>
+        <p:style>
+          <a:lnRef idx="2">
+            <a:schemeClr val="accent1">
+              <a:shade val="50000"/>
+            </a:schemeClr>
+          </a:lnRef>
+          <a:fillRef idx="1">
+            <a:schemeClr val="accent1"/>
+          </a:fillRef>
+          <a:effectRef idx="0">
+            <a:schemeClr val="accent1"/>
+          </a:effectRef>
+          <a:fontRef idx="minor">
+            <a:schemeClr val="lt1"/>
+          </a:fontRef>
+        </p:style>
+        <p:txBody>
+          <a:bodyPr rtlCol="0" anchor="ctr"/>
+          <a:lstStyle/>
+          <a:p>
+            <a:pPr algn="ctr"/>
+            <a:endParaRPr lang="ko-KR" altLang="en-US"/>
+          </a:p>
+        </p:txBody>
+      </p:sp>
+      <p:sp>
+        <p:nvSpPr>
+          <p:cNvPr id="14" name="직사각형 13"/>
+          <p:cNvSpPr/>
+          <p:nvPr/>
+        </p:nvSpPr>
+        <p:spPr>
+          <a:xfrm>
+            <a:off x="1030941" y="1401419"/>
+            <a:ext cx="7395883" cy="1810869"/>
+          </a:xfrm>
+          <a:prstGeom prst="rect">
+            <a:avLst/>
+          </a:prstGeom>
+          <a:solidFill>
+            <a:srgbClr val="0070C0">
+              <a:alpha val="50000"/>
+            </a:srgbClr>
+          </a:solidFill>
+          <a:ln>
+            <a:noFill/>
+          </a:ln>
+        </p:spPr>
+        <p:style>
+          <a:lnRef idx="2">
+            <a:schemeClr val="accent1">
+              <a:shade val="50000"/>
+            </a:schemeClr>
+          </a:lnRef>
+          <a:fillRef idx="1">
+            <a:schemeClr val="accent1"/>
+          </a:fillRef>
+          <a:effectRef idx="0">
+            <a:schemeClr val="accent1"/>
+          </a:effectRef>
+          <a:fontRef idx="minor">
+            <a:schemeClr val="lt1"/>
+          </a:fontRef>
+        </p:style>
+        <p:txBody>
+          <a:bodyPr rtlCol="0" anchor="ctr"/>
+          <a:lstStyle/>
+          <a:p>
+            <a:pPr algn="ctr"/>
+            <a:endParaRPr lang="ko-KR" altLang="en-US"/>
+          </a:p>
+        </p:txBody>
+      </p:sp>
+      <p:sp>
+        <p:nvSpPr>
+          <p:cNvPr id="4" name="TextBox 3"/>
+          <p:cNvSpPr txBox="1"/>
+          <p:nvPr/>
+        </p:nvSpPr>
+        <p:spPr>
+          <a:xfrm>
+            <a:off x="413911" y="341376"/>
+            <a:ext cx="2509020" cy="477054"/>
+          </a:xfrm>
+          <a:prstGeom prst="rect">
+            <a:avLst/>
+          </a:prstGeom>
+          <a:noFill/>
+        </p:spPr>
+        <p:txBody>
+          <a:bodyPr wrap="none" rtlCol="0">
+            <a:spAutoFit/>
+          </a:bodyPr>
+          <a:lstStyle/>
+          <a:p>
+            <a:r>
+              <a:rPr lang="en-US" altLang="ko-KR" sz="2500" dirty="0" smtClean="0"/>
+              <a:t>Main function 1-1</a:t>
+            </a:r>
+            <a:endParaRPr lang="ko-KR" altLang="en-US" sz="2500" dirty="0"/>
+          </a:p>
+        </p:txBody>
+      </p:sp>
+      <p:sp>
+        <p:nvSpPr>
+          <p:cNvPr id="7" name="직사각형 6"/>
+          <p:cNvSpPr/>
+          <p:nvPr/>
+        </p:nvSpPr>
+        <p:spPr>
+          <a:xfrm>
+            <a:off x="885581" y="4107457"/>
+            <a:ext cx="1464183" cy="400110"/>
+          </a:xfrm>
+          <a:prstGeom prst="rect">
+            <a:avLst/>
+          </a:prstGeom>
+        </p:spPr>
+        <p:txBody>
+          <a:bodyPr wrap="none">
+            <a:spAutoFit/>
+          </a:bodyPr>
+          <a:lstStyle/>
+          <a:p>
+            <a:pPr algn="ctr"/>
+            <a:r>
+              <a:rPr lang="en-US" altLang="ko-KR" sz="2000" dirty="0" smtClean="0"/>
+              <a:t>(Inline view)</a:t>
+            </a:r>
+            <a:endParaRPr lang="ko-KR" altLang="en-US" sz="2000" dirty="0"/>
+          </a:p>
+        </p:txBody>
+      </p:sp>
+      <p:sp>
+        <p:nvSpPr>
+          <p:cNvPr id="28" name="직사각형 27"/>
+          <p:cNvSpPr/>
+          <p:nvPr/>
+        </p:nvSpPr>
+        <p:spPr>
+          <a:xfrm>
+            <a:off x="914370" y="5178861"/>
+            <a:ext cx="815031" cy="323165"/>
+          </a:xfrm>
+          <a:prstGeom prst="rect">
+            <a:avLst/>
+          </a:prstGeom>
+        </p:spPr>
+        <p:txBody>
+          <a:bodyPr wrap="none">
+            <a:spAutoFit/>
+          </a:bodyPr>
+          <a:lstStyle/>
+          <a:p>
+            <a:pPr algn="just"/>
+            <a:r>
+              <a:rPr lang="en-US" altLang="ko-KR" sz="1500" b="1" dirty="0" smtClean="0"/>
+              <a:t>REGION</a:t>
+            </a:r>
+            <a:endParaRPr lang="ko-KR" altLang="en-US" sz="1500" b="1" dirty="0"/>
+          </a:p>
+        </p:txBody>
+      </p:sp>
+      <p:sp>
+        <p:nvSpPr>
+          <p:cNvPr id="29" name="직사각형 28"/>
+          <p:cNvSpPr/>
+          <p:nvPr/>
+        </p:nvSpPr>
+        <p:spPr>
+          <a:xfrm>
+            <a:off x="-5736" y="5717541"/>
+            <a:ext cx="1137812" cy="323165"/>
+          </a:xfrm>
+          <a:prstGeom prst="rect">
+            <a:avLst/>
+          </a:prstGeom>
+        </p:spPr>
+        <p:txBody>
+          <a:bodyPr wrap="none">
+            <a:spAutoFit/>
+          </a:bodyPr>
+          <a:lstStyle/>
+          <a:p>
+            <a:pPr algn="just"/>
+            <a:r>
+              <a:rPr lang="en-US" altLang="ko-KR" sz="1500" b="1" dirty="0" smtClean="0"/>
+              <a:t>HAS_TRACK</a:t>
+            </a:r>
+            <a:endParaRPr lang="ko-KR" altLang="en-US" sz="1500" b="1" dirty="0"/>
+          </a:p>
+        </p:txBody>
+      </p:sp>
+      <p:sp>
+        <p:nvSpPr>
+          <p:cNvPr id="30" name="직사각형 29"/>
+          <p:cNvSpPr/>
+          <p:nvPr/>
+        </p:nvSpPr>
+        <p:spPr>
+          <a:xfrm>
+            <a:off x="-4840" y="6148573"/>
+            <a:ext cx="1139799" cy="323165"/>
+          </a:xfrm>
+          <a:prstGeom prst="rect">
+            <a:avLst/>
+          </a:prstGeom>
+        </p:spPr>
+        <p:txBody>
+          <a:bodyPr wrap="none">
+            <a:spAutoFit/>
+          </a:bodyPr>
+          <a:lstStyle/>
+          <a:p>
+            <a:pPr algn="just"/>
+            <a:r>
+              <a:rPr lang="en-US" altLang="ko-KR" sz="1500" b="1" dirty="0" smtClean="0"/>
+              <a:t>UNIVERSITY</a:t>
+            </a:r>
+            <a:endParaRPr lang="ko-KR" altLang="en-US" sz="1500" b="1" dirty="0"/>
+          </a:p>
+        </p:txBody>
+      </p:sp>
+      <p:sp>
+        <p:nvSpPr>
+          <p:cNvPr id="31" name="직사각형 30"/>
+          <p:cNvSpPr/>
+          <p:nvPr/>
+        </p:nvSpPr>
+        <p:spPr>
+          <a:xfrm>
+            <a:off x="1701037" y="5864021"/>
+            <a:ext cx="1447191" cy="553998"/>
+          </a:xfrm>
+          <a:prstGeom prst="rect">
+            <a:avLst/>
+          </a:prstGeom>
+        </p:spPr>
+        <p:txBody>
+          <a:bodyPr wrap="none">
+            <a:spAutoFit/>
+          </a:bodyPr>
+          <a:lstStyle/>
+          <a:p>
+            <a:pPr algn="ctr"/>
+            <a:r>
+              <a:rPr lang="en-US" altLang="ko-KR" sz="1500" b="1" dirty="0" smtClean="0"/>
+              <a:t>TRACK_N_UNIV</a:t>
+            </a:r>
+          </a:p>
+          <a:p>
+            <a:pPr algn="ctr"/>
+            <a:r>
+              <a:rPr lang="en-US" altLang="ko-KR" sz="1500" dirty="0" smtClean="0"/>
+              <a:t>(View table)</a:t>
+            </a:r>
+            <a:endParaRPr lang="ko-KR" altLang="en-US" sz="1500" dirty="0"/>
+          </a:p>
+        </p:txBody>
+      </p:sp>
+      <p:sp>
+        <p:nvSpPr>
+          <p:cNvPr id="32" name="오른쪽 중괄호 31"/>
+          <p:cNvSpPr/>
+          <p:nvPr/>
+        </p:nvSpPr>
+        <p:spPr>
+          <a:xfrm>
+            <a:off x="1096216" y="5919078"/>
+            <a:ext cx="576977" cy="446740"/>
+          </a:xfrm>
+          <a:prstGeom prst="rightBrace">
+            <a:avLst/>
+          </a:prstGeom>
+          <a:ln w="38100">
+            <a:solidFill>
+              <a:schemeClr val="tx1"/>
+            </a:solidFill>
+          </a:ln>
+        </p:spPr>
+        <p:style>
+          <a:lnRef idx="1">
+            <a:schemeClr val="accent1"/>
+          </a:lnRef>
+          <a:fillRef idx="0">
+            <a:schemeClr val="accent1"/>
+          </a:fillRef>
+          <a:effectRef idx="0">
+            <a:schemeClr val="accent1"/>
+          </a:effectRef>
+          <a:fontRef idx="minor">
+            <a:schemeClr val="tx1"/>
+          </a:fontRef>
+        </p:style>
+        <p:txBody>
+          <a:bodyPr rtlCol="0" anchor="ctr"/>
+          <a:lstStyle/>
+          <a:p>
+            <a:pPr algn="ctr"/>
+            <a:endParaRPr lang="ko-KR" altLang="en-US" sz="1500"/>
+          </a:p>
+        </p:txBody>
+      </p:sp>
+      <p:sp>
+        <p:nvSpPr>
+          <p:cNvPr id="33" name="오른쪽 중괄호 32"/>
+          <p:cNvSpPr/>
+          <p:nvPr/>
+        </p:nvSpPr>
+        <p:spPr>
+          <a:xfrm>
+            <a:off x="3030064" y="5365079"/>
+            <a:ext cx="837694" cy="817480"/>
+          </a:xfrm>
+          <a:prstGeom prst="rightBrace">
+            <a:avLst/>
+          </a:prstGeom>
+          <a:ln w="38100">
+            <a:solidFill>
+              <a:schemeClr val="tx1"/>
+            </a:solidFill>
+          </a:ln>
+        </p:spPr>
+        <p:style>
+          <a:lnRef idx="1">
+            <a:schemeClr val="accent1"/>
+          </a:lnRef>
+          <a:fillRef idx="0">
+            <a:schemeClr val="accent1"/>
+          </a:fillRef>
+          <a:effectRef idx="0">
+            <a:schemeClr val="accent1"/>
+          </a:effectRef>
+          <a:fontRef idx="minor">
+            <a:schemeClr val="tx1"/>
+          </a:fontRef>
+        </p:style>
+        <p:txBody>
+          <a:bodyPr rtlCol="0" anchor="ctr"/>
+          <a:lstStyle/>
+          <a:p>
+            <a:pPr algn="ctr"/>
+            <a:endParaRPr lang="ko-KR" altLang="en-US" sz="1500"/>
+          </a:p>
+        </p:txBody>
+      </p:sp>
+      <p:sp>
+        <p:nvSpPr>
+          <p:cNvPr id="34" name="오른쪽 중괄호 33"/>
+          <p:cNvSpPr/>
+          <p:nvPr/>
+        </p:nvSpPr>
+        <p:spPr>
+          <a:xfrm>
+            <a:off x="5029699" y="5717541"/>
+            <a:ext cx="1016910" cy="648277"/>
+          </a:xfrm>
+          <a:prstGeom prst="rightBrace">
+            <a:avLst/>
+          </a:prstGeom>
+          <a:ln w="38100">
+            <a:solidFill>
+              <a:schemeClr val="tx1"/>
+            </a:solidFill>
+          </a:ln>
+        </p:spPr>
+        <p:style>
+          <a:lnRef idx="1">
+            <a:schemeClr val="accent1"/>
+          </a:lnRef>
+          <a:fillRef idx="0">
+            <a:schemeClr val="accent1"/>
+          </a:fillRef>
+          <a:effectRef idx="0">
+            <a:schemeClr val="accent1"/>
+          </a:effectRef>
+          <a:fontRef idx="minor">
+            <a:schemeClr val="tx1"/>
+          </a:fontRef>
+        </p:style>
+        <p:txBody>
+          <a:bodyPr rtlCol="0" anchor="ctr"/>
+          <a:lstStyle/>
+          <a:p>
+            <a:pPr algn="ctr"/>
+            <a:endParaRPr lang="ko-KR" altLang="en-US" sz="1500"/>
+          </a:p>
+        </p:txBody>
+      </p:sp>
+      <p:sp>
+        <p:nvSpPr>
+          <p:cNvPr id="35" name="직사각형 34"/>
+          <p:cNvSpPr/>
+          <p:nvPr/>
+        </p:nvSpPr>
+        <p:spPr>
+          <a:xfrm>
+            <a:off x="1614050" y="5178860"/>
+            <a:ext cx="1471428" cy="323165"/>
+          </a:xfrm>
+          <a:prstGeom prst="rect">
+            <a:avLst/>
+          </a:prstGeom>
+        </p:spPr>
+        <p:txBody>
+          <a:bodyPr wrap="none">
+            <a:spAutoFit/>
+          </a:bodyPr>
+          <a:lstStyle/>
+          <a:p>
+            <a:pPr algn="ctr"/>
+            <a:r>
+              <a:rPr lang="en-US" altLang="ko-KR" sz="1500" dirty="0" smtClean="0"/>
+              <a:t>Scholarship info.</a:t>
+            </a:r>
+            <a:endParaRPr lang="ko-KR" altLang="en-US" sz="1500" dirty="0"/>
+          </a:p>
+        </p:txBody>
+      </p:sp>
+      <p:sp>
+        <p:nvSpPr>
+          <p:cNvPr id="36" name="직사각형 35"/>
+          <p:cNvSpPr/>
+          <p:nvPr/>
+        </p:nvSpPr>
+        <p:spPr>
+          <a:xfrm>
+            <a:off x="854896" y="6496638"/>
+            <a:ext cx="1131335" cy="323165"/>
+          </a:xfrm>
+          <a:prstGeom prst="rect">
+            <a:avLst/>
+          </a:prstGeom>
+          <a:solidFill>
+            <a:schemeClr val="bg1">
+              <a:lumMod val="95000"/>
+            </a:schemeClr>
+          </a:solidFill>
+          <a:ln>
+            <a:noFill/>
+          </a:ln>
+        </p:spPr>
+        <p:txBody>
+          <a:bodyPr wrap="none">
+            <a:spAutoFit/>
+          </a:bodyPr>
+          <a:lstStyle/>
+          <a:p>
+            <a:pPr algn="ctr"/>
+            <a:r>
+              <a:rPr lang="en-US" altLang="ko-KR" sz="1500" dirty="0" smtClean="0"/>
+              <a:t>Join by </a:t>
+            </a:r>
+            <a:r>
+              <a:rPr lang="en-US" altLang="ko-KR" sz="1500" dirty="0" err="1" smtClean="0"/>
+              <a:t>univ.</a:t>
+            </a:r>
+            <a:endParaRPr lang="ko-KR" altLang="en-US" sz="1500" dirty="0"/>
+          </a:p>
+        </p:txBody>
+      </p:sp>
+      <p:sp>
+        <p:nvSpPr>
+          <p:cNvPr id="37" name="직사각형 36"/>
+          <p:cNvSpPr/>
+          <p:nvPr/>
+        </p:nvSpPr>
+        <p:spPr>
+          <a:xfrm>
+            <a:off x="2745609" y="4891556"/>
+            <a:ext cx="1263166" cy="323165"/>
+          </a:xfrm>
+          <a:prstGeom prst="rect">
+            <a:avLst/>
+          </a:prstGeom>
+          <a:solidFill>
+            <a:srgbClr val="0070C0">
+              <a:alpha val="50000"/>
+            </a:srgbClr>
+          </a:solidFill>
+          <a:ln>
+            <a:noFill/>
+          </a:ln>
+        </p:spPr>
+        <p:txBody>
+          <a:bodyPr wrap="none">
+            <a:spAutoFit/>
+          </a:bodyPr>
+          <a:lstStyle/>
+          <a:p>
+            <a:pPr algn="ctr"/>
+            <a:r>
+              <a:rPr lang="en-US" altLang="ko-KR" sz="1500" dirty="0" smtClean="0"/>
+              <a:t>Join by region</a:t>
+            </a:r>
+            <a:endParaRPr lang="ko-KR" altLang="en-US" sz="1500" dirty="0"/>
+          </a:p>
+        </p:txBody>
+      </p:sp>
+      <p:sp>
+        <p:nvSpPr>
+          <p:cNvPr id="38" name="직사각형 37"/>
+          <p:cNvSpPr/>
+          <p:nvPr/>
+        </p:nvSpPr>
+        <p:spPr>
+          <a:xfrm>
+            <a:off x="4045005" y="5595912"/>
+            <a:ext cx="984693" cy="323165"/>
+          </a:xfrm>
+          <a:prstGeom prst="rect">
+            <a:avLst/>
+          </a:prstGeom>
+          <a:solidFill>
+            <a:srgbClr val="0070C0">
+              <a:alpha val="50000"/>
+            </a:srgbClr>
+          </a:solidFill>
+          <a:ln>
+            <a:noFill/>
+          </a:ln>
+        </p:spPr>
+        <p:txBody>
+          <a:bodyPr wrap="none">
+            <a:spAutoFit/>
+          </a:bodyPr>
+          <a:lstStyle/>
+          <a:p>
+            <a:pPr algn="ctr"/>
+            <a:r>
+              <a:rPr lang="en-US" altLang="ko-KR" sz="1500" dirty="0" smtClean="0"/>
+              <a:t>Projection</a:t>
+            </a:r>
+            <a:endParaRPr lang="ko-KR" altLang="en-US" sz="1500" dirty="0"/>
+          </a:p>
+        </p:txBody>
+      </p:sp>
+      <p:sp>
+        <p:nvSpPr>
+          <p:cNvPr id="39" name="직사각형 38"/>
+          <p:cNvSpPr/>
+          <p:nvPr/>
+        </p:nvSpPr>
+        <p:spPr>
+          <a:xfrm>
+            <a:off x="3934721" y="6204235"/>
+            <a:ext cx="1139799" cy="323165"/>
+          </a:xfrm>
+          <a:prstGeom prst="rect">
+            <a:avLst/>
+          </a:prstGeom>
+        </p:spPr>
+        <p:txBody>
+          <a:bodyPr wrap="none">
+            <a:spAutoFit/>
+          </a:bodyPr>
+          <a:lstStyle/>
+          <a:p>
+            <a:pPr algn="just"/>
+            <a:r>
+              <a:rPr lang="en-US" altLang="ko-KR" sz="1500" b="1" dirty="0" smtClean="0"/>
+              <a:t>UNIVERSITY</a:t>
+            </a:r>
+            <a:endParaRPr lang="ko-KR" altLang="en-US" sz="1500" b="1" dirty="0"/>
+          </a:p>
+        </p:txBody>
+      </p:sp>
+      <p:sp>
+        <p:nvSpPr>
+          <p:cNvPr id="40" name="직사각형 39"/>
+          <p:cNvSpPr/>
+          <p:nvPr/>
+        </p:nvSpPr>
+        <p:spPr>
+          <a:xfrm>
+            <a:off x="7802334" y="5532874"/>
+            <a:ext cx="1269718" cy="1015663"/>
+          </a:xfrm>
+          <a:prstGeom prst="rect">
+            <a:avLst/>
+          </a:prstGeom>
+        </p:spPr>
+        <p:txBody>
+          <a:bodyPr wrap="square">
+            <a:spAutoFit/>
+          </a:bodyPr>
+          <a:lstStyle/>
+          <a:p>
+            <a:pPr algn="ctr"/>
+            <a:r>
+              <a:rPr lang="en-US" altLang="ko-KR" sz="1500" b="1" dirty="0" err="1" smtClean="0"/>
+              <a:t>Univ</a:t>
+            </a:r>
+            <a:r>
+              <a:rPr lang="en-US" altLang="ko-KR" sz="1500" b="1" dirty="0" smtClean="0"/>
+              <a:t> name, track, country, language, TO, scholarship</a:t>
+            </a:r>
+            <a:endParaRPr lang="ko-KR" altLang="en-US" sz="1500" b="1" dirty="0"/>
+          </a:p>
+        </p:txBody>
+      </p:sp>
+      <p:sp>
+        <p:nvSpPr>
+          <p:cNvPr id="42" name="직사각형 41"/>
+          <p:cNvSpPr/>
+          <p:nvPr/>
+        </p:nvSpPr>
+        <p:spPr>
+          <a:xfrm>
+            <a:off x="4728413" y="4132397"/>
+            <a:ext cx="1618776" cy="784830"/>
+          </a:xfrm>
+          <a:prstGeom prst="rect">
+            <a:avLst/>
+          </a:prstGeom>
+          <a:solidFill>
+            <a:srgbClr val="0070C0">
+              <a:alpha val="50000"/>
+            </a:srgbClr>
+          </a:solidFill>
+          <a:ln>
+            <a:noFill/>
+          </a:ln>
+        </p:spPr>
+        <p:txBody>
+          <a:bodyPr wrap="none">
+            <a:spAutoFit/>
+          </a:bodyPr>
+          <a:lstStyle/>
+          <a:p>
+            <a:pPr algn="ctr"/>
+            <a:r>
+              <a:rPr lang="en-US" altLang="ko-KR" sz="1500" b="1" dirty="0" err="1" smtClean="0"/>
+              <a:t>Dept</a:t>
+            </a:r>
+            <a:r>
+              <a:rPr lang="en-US" altLang="ko-KR" sz="1500" b="1" dirty="0" smtClean="0"/>
+              <a:t>, region</a:t>
+            </a:r>
+          </a:p>
+          <a:p>
+            <a:pPr algn="ctr"/>
+            <a:r>
+              <a:rPr lang="en-US" altLang="ko-KR" sz="1500" dirty="0" smtClean="0"/>
+              <a:t>condition given by</a:t>
+            </a:r>
+          </a:p>
+          <a:p>
+            <a:pPr algn="ctr"/>
+            <a:r>
+              <a:rPr lang="en-US" altLang="ko-KR" sz="1500" b="1" dirty="0" smtClean="0"/>
+              <a:t>WHERE </a:t>
+            </a:r>
+            <a:r>
+              <a:rPr lang="en-US" altLang="ko-KR" sz="1500" dirty="0" smtClean="0"/>
+              <a:t>statement</a:t>
+            </a:r>
+            <a:endParaRPr lang="ko-KR" altLang="en-US" sz="1500" b="1" dirty="0"/>
+          </a:p>
+        </p:txBody>
+      </p:sp>
+      <p:sp>
+        <p:nvSpPr>
+          <p:cNvPr id="43" name="직사각형 42"/>
+          <p:cNvSpPr/>
+          <p:nvPr/>
+        </p:nvSpPr>
+        <p:spPr>
+          <a:xfrm>
+            <a:off x="4972488" y="6471738"/>
+            <a:ext cx="1131336" cy="323165"/>
+          </a:xfrm>
+          <a:prstGeom prst="rect">
+            <a:avLst/>
+          </a:prstGeom>
+          <a:solidFill>
+            <a:srgbClr val="0070C0">
+              <a:alpha val="50000"/>
+            </a:srgbClr>
+          </a:solidFill>
+          <a:ln>
+            <a:noFill/>
+          </a:ln>
+        </p:spPr>
+        <p:txBody>
+          <a:bodyPr wrap="none">
+            <a:spAutoFit/>
+          </a:bodyPr>
+          <a:lstStyle/>
+          <a:p>
+            <a:pPr algn="ctr"/>
+            <a:r>
+              <a:rPr lang="en-US" altLang="ko-KR" sz="1500" dirty="0" smtClean="0"/>
+              <a:t>Join by </a:t>
+            </a:r>
+            <a:r>
+              <a:rPr lang="en-US" altLang="ko-KR" sz="1500" dirty="0" err="1" smtClean="0"/>
+              <a:t>univ.</a:t>
+            </a:r>
+            <a:endParaRPr lang="ko-KR" altLang="en-US" sz="1500" dirty="0"/>
+          </a:p>
+        </p:txBody>
+      </p:sp>
+      <p:sp>
+        <p:nvSpPr>
+          <p:cNvPr id="45" name="TextBox 44"/>
+          <p:cNvSpPr txBox="1"/>
+          <p:nvPr/>
+        </p:nvSpPr>
+        <p:spPr>
+          <a:xfrm>
+            <a:off x="413911" y="881465"/>
+            <a:ext cx="8326677" cy="2631490"/>
+          </a:xfrm>
+          <a:prstGeom prst="rect">
+            <a:avLst/>
+          </a:prstGeom>
+          <a:noFill/>
+        </p:spPr>
+        <p:txBody>
+          <a:bodyPr wrap="square" rtlCol="0">
+            <a:spAutoFit/>
+          </a:bodyPr>
+          <a:lstStyle/>
+          <a:p>
+            <a:r>
+              <a:rPr lang="en-US" altLang="ko-KR" sz="1500" dirty="0"/>
+              <a:t>'</a:t>
+            </a:r>
+            <a:r>
+              <a:rPr lang="en-US" altLang="ko-KR" sz="1500" b="1" dirty="0"/>
+              <a:t>SELECT</a:t>
+            </a:r>
+            <a:r>
+              <a:rPr lang="en-US" altLang="ko-KR" sz="1500" dirty="0"/>
+              <a:t> </a:t>
+            </a:r>
+            <a:r>
+              <a:rPr lang="en-US" altLang="ko-KR" sz="1500" dirty="0" err="1"/>
+              <a:t>A.Name</a:t>
+            </a:r>
+            <a:r>
+              <a:rPr lang="en-US" altLang="ko-KR" sz="1500" dirty="0"/>
+              <a:t> as </a:t>
+            </a:r>
+            <a:r>
+              <a:rPr lang="en-US" altLang="ko-KR" sz="1500" dirty="0" err="1"/>
+              <a:t>Univ_name</a:t>
+            </a:r>
+            <a:r>
+              <a:rPr lang="en-US" altLang="ko-KR" sz="1500" dirty="0"/>
+              <a:t>, </a:t>
+            </a:r>
+            <a:r>
+              <a:rPr lang="en-US" altLang="ko-KR" sz="1500" dirty="0" err="1"/>
+              <a:t>B.Univ_track</a:t>
+            </a:r>
+            <a:r>
+              <a:rPr lang="en-US" altLang="ko-KR" sz="1500" dirty="0"/>
+              <a:t> as </a:t>
+            </a:r>
+            <a:r>
+              <a:rPr lang="en-US" altLang="ko-KR" sz="1500" dirty="0" err="1" smtClean="0"/>
+              <a:t>Dept</a:t>
+            </a:r>
+            <a:r>
+              <a:rPr lang="en-US" altLang="ko-KR" sz="1500" dirty="0" smtClean="0"/>
+              <a:t>,</a:t>
+            </a:r>
+          </a:p>
+          <a:p>
+            <a:r>
+              <a:rPr lang="en-US" altLang="ko-KR" sz="1500" dirty="0"/>
+              <a:t>	</a:t>
+            </a:r>
+            <a:r>
+              <a:rPr lang="en-US" altLang="ko-KR" sz="1500" dirty="0" err="1" smtClean="0"/>
+              <a:t>A.Country_id</a:t>
+            </a:r>
+            <a:r>
+              <a:rPr lang="en-US" altLang="ko-KR" sz="1500" dirty="0"/>
+              <a:t>, </a:t>
+            </a:r>
+            <a:r>
+              <a:rPr lang="en-US" altLang="ko-KR" sz="1500" dirty="0" err="1"/>
+              <a:t>A.Language_id</a:t>
+            </a:r>
+            <a:r>
+              <a:rPr lang="en-US" altLang="ko-KR" sz="1500" dirty="0"/>
+              <a:t>, </a:t>
+            </a:r>
+            <a:r>
+              <a:rPr lang="en-US" altLang="ko-KR" sz="1500" dirty="0" err="1"/>
+              <a:t>A.Available_number</a:t>
+            </a:r>
+            <a:r>
+              <a:rPr lang="en-US" altLang="ko-KR" sz="1500" dirty="0"/>
+              <a:t>, </a:t>
+            </a:r>
+            <a:r>
+              <a:rPr lang="en-US" altLang="ko-KR" sz="1500" dirty="0" err="1"/>
+              <a:t>B.Scholarship</a:t>
+            </a:r>
+            <a:endParaRPr lang="en-US" altLang="ko-KR" sz="1500" dirty="0"/>
+          </a:p>
+          <a:p>
+            <a:r>
+              <a:rPr lang="en-US" altLang="ko-KR" sz="1500" b="1" dirty="0"/>
+              <a:t>FROM</a:t>
+            </a:r>
+            <a:r>
+              <a:rPr lang="en-US" altLang="ko-KR" sz="1500" dirty="0"/>
+              <a:t> UNIVERSITY AS A</a:t>
+            </a:r>
+          </a:p>
+          <a:p>
+            <a:r>
+              <a:rPr lang="en-US" altLang="ko-KR" sz="1500" dirty="0" smtClean="0"/>
+              <a:t>	</a:t>
+            </a:r>
+            <a:r>
+              <a:rPr lang="en-US" altLang="ko-KR" sz="1500" b="1" dirty="0" smtClean="0"/>
+              <a:t>INNER </a:t>
+            </a:r>
+            <a:r>
+              <a:rPr lang="en-US" altLang="ko-KR" sz="1500" b="1" dirty="0"/>
+              <a:t>JOIN</a:t>
+            </a:r>
+          </a:p>
+          <a:p>
+            <a:r>
+              <a:rPr lang="en-US" altLang="ko-KR" sz="1500" dirty="0" smtClean="0"/>
+              <a:t>		(</a:t>
+            </a:r>
+            <a:r>
+              <a:rPr lang="en-US" altLang="ko-KR" sz="1500" b="1" dirty="0"/>
+              <a:t>SELECT</a:t>
+            </a:r>
+            <a:r>
+              <a:rPr lang="en-US" altLang="ko-KR" sz="1500" dirty="0"/>
+              <a:t> TRACK_N_UNIV.UID as </a:t>
+            </a:r>
+            <a:r>
+              <a:rPr lang="en-US" altLang="ko-KR" sz="1500" dirty="0" smtClean="0"/>
+              <a:t>UID,</a:t>
+            </a:r>
+          </a:p>
+          <a:p>
+            <a:r>
+              <a:rPr lang="en-US" altLang="ko-KR" sz="1500" dirty="0"/>
+              <a:t>	</a:t>
+            </a:r>
+            <a:r>
+              <a:rPr lang="en-US" altLang="ko-KR" sz="1500" dirty="0" smtClean="0"/>
+              <a:t>		</a:t>
+            </a:r>
+            <a:r>
+              <a:rPr lang="en-US" altLang="ko-KR" sz="1500" dirty="0" err="1" smtClean="0"/>
+              <a:t>TRACK_N_UNIV.Univ_track</a:t>
+            </a:r>
+            <a:r>
+              <a:rPr lang="en-US" altLang="ko-KR" sz="1500" dirty="0" smtClean="0"/>
+              <a:t> </a:t>
+            </a:r>
+            <a:r>
+              <a:rPr lang="en-US" altLang="ko-KR" sz="1500" dirty="0"/>
+              <a:t>as </a:t>
+            </a:r>
+            <a:r>
+              <a:rPr lang="en-US" altLang="ko-KR" sz="1500" dirty="0" err="1" smtClean="0"/>
+              <a:t>Univ_track</a:t>
+            </a:r>
+            <a:r>
+              <a:rPr lang="en-US" altLang="ko-KR" sz="1500" dirty="0" smtClean="0"/>
+              <a:t>,</a:t>
+            </a:r>
+          </a:p>
+          <a:p>
+            <a:r>
+              <a:rPr lang="en-US" altLang="ko-KR" sz="1500" dirty="0"/>
+              <a:t>	</a:t>
+            </a:r>
+            <a:r>
+              <a:rPr lang="en-US" altLang="ko-KR" sz="1500" dirty="0" smtClean="0"/>
+              <a:t>		</a:t>
+            </a:r>
+            <a:r>
+              <a:rPr lang="en-US" altLang="ko-KR" sz="1500" dirty="0" err="1" smtClean="0"/>
+              <a:t>REGION.KAIST_scholarship</a:t>
+            </a:r>
+            <a:r>
+              <a:rPr lang="en-US" altLang="ko-KR" sz="1500" dirty="0" smtClean="0"/>
+              <a:t> </a:t>
+            </a:r>
+            <a:r>
+              <a:rPr lang="en-US" altLang="ko-KR" sz="1500" dirty="0"/>
+              <a:t>as Scholarship</a:t>
+            </a:r>
+          </a:p>
+          <a:p>
+            <a:r>
+              <a:rPr lang="en-US" altLang="ko-KR" sz="1500" dirty="0" smtClean="0"/>
+              <a:t>		</a:t>
+            </a:r>
+            <a:r>
+              <a:rPr lang="en-US" altLang="ko-KR" sz="1500" b="1" dirty="0" smtClean="0"/>
+              <a:t>FROM</a:t>
+            </a:r>
+            <a:r>
+              <a:rPr lang="en-US" altLang="ko-KR" sz="1500" dirty="0" smtClean="0"/>
+              <a:t> </a:t>
+            </a:r>
+            <a:r>
+              <a:rPr lang="en-US" altLang="ko-KR" sz="1500" dirty="0"/>
+              <a:t>(TRACK_N_UNIV </a:t>
+            </a:r>
+            <a:r>
+              <a:rPr lang="en-US" altLang="ko-KR" sz="1500" b="1" dirty="0"/>
+              <a:t>INNER JOIN </a:t>
+            </a:r>
+            <a:r>
+              <a:rPr lang="en-US" altLang="ko-KR" sz="1500" dirty="0"/>
+              <a:t>REGION </a:t>
+            </a:r>
+            <a:r>
+              <a:rPr lang="en-US" altLang="ko-KR" sz="1500" b="1" dirty="0"/>
+              <a:t>USING</a:t>
+            </a:r>
+            <a:r>
+              <a:rPr lang="en-US" altLang="ko-KR" sz="1500" dirty="0"/>
+              <a:t> (RID))</a:t>
+            </a:r>
+          </a:p>
+          <a:p>
+            <a:r>
+              <a:rPr lang="en-US" altLang="ko-KR" sz="1500" dirty="0" smtClean="0"/>
+              <a:t>		</a:t>
+            </a:r>
+            <a:r>
+              <a:rPr lang="en-US" altLang="ko-KR" sz="1500" b="1" dirty="0" smtClean="0"/>
+              <a:t>WHERE</a:t>
+            </a:r>
+            <a:r>
+              <a:rPr lang="en-US" altLang="ko-KR" sz="1500" dirty="0" smtClean="0"/>
+              <a:t> </a:t>
+            </a:r>
+            <a:r>
+              <a:rPr lang="en-US" altLang="ko-KR" sz="1500" dirty="0"/>
+              <a:t>DID = ‘ + </a:t>
+            </a:r>
+            <a:r>
+              <a:rPr lang="en-US" altLang="ko-KR" sz="1500" dirty="0" err="1"/>
+              <a:t>req.body.user_dept</a:t>
+            </a:r>
+            <a:r>
+              <a:rPr lang="en-US" altLang="ko-KR" sz="1500" dirty="0"/>
+              <a:t> + ‘ AND RID IN ‘ + </a:t>
+            </a:r>
+            <a:r>
+              <a:rPr lang="en-US" altLang="ko-KR" sz="1500" dirty="0" err="1"/>
+              <a:t>region_str_set</a:t>
+            </a:r>
+            <a:r>
+              <a:rPr lang="en-US" altLang="ko-KR" sz="1500" dirty="0"/>
+              <a:t> + ’) AS B</a:t>
+            </a:r>
+          </a:p>
+          <a:p>
+            <a:r>
+              <a:rPr lang="en-US" altLang="ko-KR" sz="1500" dirty="0" smtClean="0"/>
+              <a:t>	</a:t>
+            </a:r>
+            <a:r>
+              <a:rPr lang="en-US" altLang="ko-KR" sz="1500" b="1" dirty="0" smtClean="0"/>
+              <a:t>USING</a:t>
+            </a:r>
+            <a:r>
+              <a:rPr lang="en-US" altLang="ko-KR" sz="1500" dirty="0" smtClean="0"/>
+              <a:t> </a:t>
+            </a:r>
+            <a:r>
+              <a:rPr lang="en-US" altLang="ko-KR" sz="1500" dirty="0"/>
+              <a:t>(UID)</a:t>
+            </a:r>
+          </a:p>
+          <a:p>
+            <a:r>
+              <a:rPr lang="en-US" altLang="ko-KR" sz="1500" b="1" dirty="0"/>
+              <a:t>WHERE</a:t>
+            </a:r>
+            <a:r>
+              <a:rPr lang="en-US" altLang="ko-KR" sz="1500" dirty="0"/>
+              <a:t> Undergraduate = 1;’</a:t>
+            </a:r>
+          </a:p>
+        </p:txBody>
+      </p:sp>
+      <p:sp>
+        <p:nvSpPr>
+          <p:cNvPr id="47" name="TextBox 46"/>
+          <p:cNvSpPr txBox="1"/>
+          <p:nvPr/>
+        </p:nvSpPr>
+        <p:spPr>
+          <a:xfrm>
+            <a:off x="413911" y="3693596"/>
+            <a:ext cx="2697533" cy="400110"/>
+          </a:xfrm>
+          <a:prstGeom prst="rect">
+            <a:avLst/>
+          </a:prstGeom>
+          <a:noFill/>
+        </p:spPr>
+        <p:txBody>
+          <a:bodyPr wrap="none" rtlCol="0">
+            <a:spAutoFit/>
+          </a:bodyPr>
+          <a:lstStyle/>
+          <a:p>
+            <a:pPr algn="ctr"/>
+            <a:r>
+              <a:rPr lang="en-US" altLang="ko-KR" sz="2000" dirty="0" smtClean="0"/>
+              <a:t>Subquery -&gt; Main query</a:t>
+            </a:r>
+          </a:p>
+        </p:txBody>
+      </p:sp>
+      <p:cxnSp>
+        <p:nvCxnSpPr>
+          <p:cNvPr id="49" name="직선 화살표 연결선 48"/>
+          <p:cNvCxnSpPr>
+            <a:stCxn id="42" idx="2"/>
+          </p:cNvCxnSpPr>
+          <p:nvPr/>
+        </p:nvCxnSpPr>
+        <p:spPr>
+          <a:xfrm>
+            <a:off x="5537801" y="4917227"/>
+            <a:ext cx="1" cy="709878"/>
+          </a:xfrm>
+          <a:prstGeom prst="straightConnector1">
+            <a:avLst/>
+          </a:prstGeom>
+          <a:ln w="38100">
+            <a:solidFill>
+              <a:schemeClr val="tx1"/>
+            </a:solidFill>
+            <a:tailEnd type="triangle"/>
+          </a:ln>
+        </p:spPr>
+        <p:style>
+          <a:lnRef idx="1">
+            <a:schemeClr val="accent1"/>
+          </a:lnRef>
+          <a:fillRef idx="0">
+            <a:schemeClr val="accent1"/>
+          </a:fillRef>
+          <a:effectRef idx="0">
+            <a:schemeClr val="accent1"/>
+          </a:effectRef>
+          <a:fontRef idx="minor">
+            <a:schemeClr val="tx1"/>
+          </a:fontRef>
+        </p:style>
+      </p:cxnSp>
+      <p:sp>
+        <p:nvSpPr>
+          <p:cNvPr id="50" name="직사각형 49"/>
+          <p:cNvSpPr/>
+          <p:nvPr/>
+        </p:nvSpPr>
+        <p:spPr>
+          <a:xfrm>
+            <a:off x="6191639" y="5857174"/>
+            <a:ext cx="984693" cy="323165"/>
+          </a:xfrm>
+          <a:prstGeom prst="rect">
+            <a:avLst/>
+          </a:prstGeom>
+          <a:solidFill>
+            <a:srgbClr val="00B050">
+              <a:alpha val="50000"/>
+            </a:srgbClr>
+          </a:solidFill>
+          <a:ln>
+            <a:noFill/>
+          </a:ln>
+        </p:spPr>
+        <p:txBody>
+          <a:bodyPr wrap="none">
+            <a:spAutoFit/>
+          </a:bodyPr>
+          <a:lstStyle/>
+          <a:p>
+            <a:pPr algn="ctr"/>
+            <a:r>
+              <a:rPr lang="en-US" altLang="ko-KR" sz="1500" dirty="0" smtClean="0"/>
+              <a:t>Projection</a:t>
+            </a:r>
+            <a:endParaRPr lang="ko-KR" altLang="en-US" sz="1500" dirty="0"/>
+          </a:p>
+        </p:txBody>
+      </p:sp>
+      <p:sp>
+        <p:nvSpPr>
+          <p:cNvPr id="51" name="직사각형 50"/>
+          <p:cNvSpPr/>
+          <p:nvPr/>
+        </p:nvSpPr>
+        <p:spPr>
+          <a:xfrm>
+            <a:off x="6584770" y="4223036"/>
+            <a:ext cx="2155818" cy="784830"/>
+          </a:xfrm>
+          <a:prstGeom prst="rect">
+            <a:avLst/>
+          </a:prstGeom>
+          <a:solidFill>
+            <a:srgbClr val="00B050">
+              <a:alpha val="50000"/>
+            </a:srgbClr>
+          </a:solidFill>
+          <a:ln>
+            <a:noFill/>
+          </a:ln>
+        </p:spPr>
+        <p:txBody>
+          <a:bodyPr wrap="square">
+            <a:spAutoFit/>
+          </a:bodyPr>
+          <a:lstStyle/>
+          <a:p>
+            <a:pPr algn="ctr"/>
+            <a:r>
+              <a:rPr lang="en-US" altLang="ko-KR" sz="1500" dirty="0" smtClean="0"/>
+              <a:t>“Open to undergraduates” condition given by</a:t>
+            </a:r>
+          </a:p>
+          <a:p>
+            <a:pPr algn="ctr"/>
+            <a:r>
+              <a:rPr lang="en-US" altLang="ko-KR" sz="1500" b="1" dirty="0" smtClean="0"/>
+              <a:t>WHERE </a:t>
+            </a:r>
+            <a:r>
+              <a:rPr lang="en-US" altLang="ko-KR" sz="1500" dirty="0" smtClean="0"/>
+              <a:t>statement</a:t>
+            </a:r>
+            <a:endParaRPr lang="ko-KR" altLang="en-US" sz="1500" b="1" dirty="0"/>
+          </a:p>
+        </p:txBody>
+      </p:sp>
+      <p:cxnSp>
+        <p:nvCxnSpPr>
+          <p:cNvPr id="52" name="직선 화살표 연결선 51"/>
+          <p:cNvCxnSpPr>
+            <a:stCxn id="51" idx="2"/>
+          </p:cNvCxnSpPr>
+          <p:nvPr/>
+        </p:nvCxnSpPr>
+        <p:spPr>
+          <a:xfrm flipH="1">
+            <a:off x="7413913" y="5007866"/>
+            <a:ext cx="248766" cy="856155"/>
+          </a:xfrm>
+          <a:prstGeom prst="straightConnector1">
+            <a:avLst/>
+          </a:prstGeom>
+          <a:ln w="38100">
+            <a:solidFill>
+              <a:schemeClr val="tx1"/>
+            </a:solidFill>
+            <a:tailEnd type="triangle"/>
+          </a:ln>
+        </p:spPr>
+        <p:style>
+          <a:lnRef idx="1">
+            <a:schemeClr val="accent1"/>
+          </a:lnRef>
+          <a:fillRef idx="0">
+            <a:schemeClr val="accent1"/>
+          </a:fillRef>
+          <a:effectRef idx="0">
+            <a:schemeClr val="accent1"/>
+          </a:effectRef>
+          <a:fontRef idx="minor">
+            <a:schemeClr val="tx1"/>
+          </a:fontRef>
+        </p:style>
+      </p:cxnSp>
+      <p:cxnSp>
+        <p:nvCxnSpPr>
+          <p:cNvPr id="53" name="직선 화살표 연결선 52"/>
+          <p:cNvCxnSpPr>
+            <a:stCxn id="50" idx="3"/>
+          </p:cNvCxnSpPr>
+          <p:nvPr/>
+        </p:nvCxnSpPr>
+        <p:spPr>
+          <a:xfrm flipV="1">
+            <a:off x="7176332" y="6018756"/>
+            <a:ext cx="570894" cy="1"/>
+          </a:xfrm>
+          <a:prstGeom prst="straightConnector1">
+            <a:avLst/>
+          </a:prstGeom>
+          <a:ln w="38100">
+            <a:solidFill>
+              <a:schemeClr val="tx1"/>
+            </a:solidFill>
+            <a:tailEnd type="triangle"/>
+          </a:ln>
+        </p:spPr>
+        <p:style>
+          <a:lnRef idx="1">
+            <a:schemeClr val="accent1"/>
+          </a:lnRef>
+          <a:fillRef idx="0">
+            <a:schemeClr val="accent1"/>
+          </a:fillRef>
+          <a:effectRef idx="0">
+            <a:schemeClr val="accent1"/>
+          </a:effectRef>
+          <a:fontRef idx="minor">
+            <a:schemeClr val="tx1"/>
+          </a:fontRef>
+        </p:style>
+      </p:cxnSp>
     </p:spTree>
     <p:extLst>
       <p:ext uri="{BB962C8B-B14F-4D97-AF65-F5344CB8AC3E}">
-        <p14:creationId xmlns:p14="http://schemas.microsoft.com/office/powerpoint/2010/main" val="3573134490"/>
+        <p14:creationId xmlns:p14="http://schemas.microsoft.com/office/powerpoint/2010/main" val="1718819873"/>
       </p:ext>
     </p:extLst>
   </p:cSld>
@@ -4136,7 +5461,7 @@
       </p:grpSpPr>
       <p:pic>
         <p:nvPicPr>
-          <p:cNvPr id="13" name="그림 12"/>
+          <p:cNvPr id="2" name="그림 1"/>
           <p:cNvPicPr>
             <a:picLocks noChangeAspect="1"/>
           </p:cNvPicPr>
@@ -4150,8 +5475,8 @@
         </p:blipFill>
         <p:spPr>
           <a:xfrm>
-            <a:off x="1562100" y="2062162"/>
-            <a:ext cx="6019800" cy="2733675"/>
+            <a:off x="1595617" y="950976"/>
+            <a:ext cx="5952766" cy="5638800"/>
           </a:xfrm>
           <a:prstGeom prst="rect">
             <a:avLst/>
@@ -4182,20 +5507,62 @@
           <a:p>
             <a:r>
               <a:rPr lang="en-US" altLang="ko-KR" sz="2500" dirty="0" smtClean="0"/>
-              <a:t>Main function </a:t>
-            </a:r>
-            <a:r>
-              <a:rPr lang="en-US" altLang="ko-KR" sz="2500" dirty="0" smtClean="0"/>
-              <a:t>1-2</a:t>
+              <a:t>Main function 1-2</a:t>
             </a:r>
             <a:endParaRPr lang="ko-KR" altLang="en-US" sz="2500" dirty="0"/>
+          </a:p>
+        </p:txBody>
+      </p:sp>
+      <p:sp>
+        <p:nvSpPr>
+          <p:cNvPr id="14" name="직사각형 13"/>
+          <p:cNvSpPr/>
+          <p:nvPr/>
+        </p:nvSpPr>
+        <p:spPr>
+          <a:xfrm>
+            <a:off x="1657933" y="5340096"/>
+            <a:ext cx="3401747" cy="1249680"/>
+          </a:xfrm>
+          <a:prstGeom prst="rect">
+            <a:avLst/>
+          </a:prstGeom>
+          <a:noFill/>
+          <a:ln w="38100">
+            <a:solidFill>
+              <a:srgbClr val="FF0000"/>
+            </a:solidFill>
+          </a:ln>
+        </p:spPr>
+        <p:style>
+          <a:lnRef idx="2">
+            <a:schemeClr val="accent1">
+              <a:shade val="50000"/>
+            </a:schemeClr>
+          </a:lnRef>
+          <a:fillRef idx="1">
+            <a:schemeClr val="accent1"/>
+          </a:fillRef>
+          <a:effectRef idx="0">
+            <a:schemeClr val="accent1"/>
+          </a:effectRef>
+          <a:fontRef idx="minor">
+            <a:schemeClr val="lt1"/>
+          </a:fontRef>
+        </p:style>
+        <p:txBody>
+          <a:bodyPr rtlCol="0" anchor="ctr"/>
+          <a:lstStyle/>
+          <a:p>
+            <a:pPr algn="ctr"/>
+            <a:endParaRPr lang="ko-KR" altLang="en-US"/>
           </a:p>
         </p:txBody>
       </p:sp>
     </p:spTree>
     <p:extLst>
       <p:ext uri="{BB962C8B-B14F-4D97-AF65-F5344CB8AC3E}">
-        <p14:creationId xmlns:p14="http://schemas.microsoft.com/office/powerpoint/2010/main" val="3960247339"/>
+        <p14:creationId xmlns:p14="http://schemas.microsoft.com/office/powerpoint/2010/main" val="3573134490"/>
       </p:ext>
     </p:extLst>
   </p:cSld>
@@ -4231,7 +5598,7 @@
       </p:grpSpPr>
       <p:pic>
         <p:nvPicPr>
-          <p:cNvPr id="3" name="그림 2"/>
+          <p:cNvPr id="13" name="그림 12"/>
           <p:cNvPicPr>
             <a:picLocks noChangeAspect="1"/>
           </p:cNvPicPr>
@@ -4245,8 +5612,8 @@
         </p:blipFill>
         <p:spPr>
           <a:xfrm>
-            <a:off x="1534159" y="1113931"/>
-            <a:ext cx="6075682" cy="5321018"/>
+            <a:off x="1562100" y="2062162"/>
+            <a:ext cx="6019800" cy="2733675"/>
           </a:xfrm>
           <a:prstGeom prst="rect">
             <a:avLst/>
@@ -4277,62 +5644,16 @@
           <a:p>
             <a:r>
               <a:rPr lang="en-US" altLang="ko-KR" sz="2500" dirty="0" smtClean="0"/>
-              <a:t>Main function 2-1</a:t>
+              <a:t>Main function 1-2</a:t>
             </a:r>
             <a:endParaRPr lang="ko-KR" altLang="en-US" sz="2500" dirty="0"/>
-          </a:p>
-        </p:txBody>
-      </p:sp>
-      <p:sp>
-        <p:nvSpPr>
-          <p:cNvPr id="2" name="직사각형 1"/>
-          <p:cNvSpPr/>
-          <p:nvPr/>
-        </p:nvSpPr>
-        <p:spPr>
-          <a:xfrm>
-            <a:off x="1625600" y="2123440"/>
-            <a:ext cx="4358639" cy="1249680"/>
-          </a:xfrm>
-          <a:prstGeom prst="rect">
-            <a:avLst/>
-          </a:prstGeom>
-          <a:noFill/>
-          <a:ln w="38100">
-            <a:solidFill>
-              <a:srgbClr val="FF0000"/>
-            </a:solidFill>
-          </a:ln>
-        </p:spPr>
-        <p:style>
-          <a:lnRef idx="2">
-            <a:schemeClr val="accent1">
-              <a:shade val="50000"/>
-            </a:schemeClr>
-          </a:lnRef>
-          <a:fillRef idx="1">
-            <a:schemeClr val="accent1"/>
-          </a:fillRef>
-          <a:effectRef idx="0">
-            <a:schemeClr val="accent1"/>
-          </a:effectRef>
-          <a:fontRef idx="minor">
-            <a:schemeClr val="lt1"/>
-          </a:fontRef>
-        </p:style>
-        <p:txBody>
-          <a:bodyPr rtlCol="0" anchor="ctr"/>
-          <a:lstStyle/>
-          <a:p>
-            <a:pPr algn="ctr"/>
-            <a:endParaRPr lang="ko-KR" altLang="en-US"/>
           </a:p>
         </p:txBody>
       </p:sp>
     </p:spTree>
     <p:extLst>
       <p:ext uri="{BB962C8B-B14F-4D97-AF65-F5344CB8AC3E}">
-        <p14:creationId xmlns:p14="http://schemas.microsoft.com/office/powerpoint/2010/main" val="1988018248"/>
+        <p14:creationId xmlns:p14="http://schemas.microsoft.com/office/powerpoint/2010/main" val="3960247339"/>
       </p:ext>
     </p:extLst>
   </p:cSld>
@@ -4368,7 +5689,7 @@
       </p:grpSpPr>
       <p:pic>
         <p:nvPicPr>
-          <p:cNvPr id="5" name="그림 4"/>
+          <p:cNvPr id="3" name="그림 2"/>
           <p:cNvPicPr>
             <a:picLocks noChangeAspect="1"/>
           </p:cNvPicPr>
@@ -4382,8 +5703,8 @@
         </p:blipFill>
         <p:spPr>
           <a:xfrm>
-            <a:off x="1308216" y="1503680"/>
-            <a:ext cx="6527568" cy="4521200"/>
+            <a:off x="1534159" y="1113931"/>
+            <a:ext cx="6075682" cy="5321018"/>
           </a:xfrm>
           <a:prstGeom prst="rect">
             <a:avLst/>
@@ -4422,23 +5743,23 @@
       </p:sp>
       <p:sp>
         <p:nvSpPr>
-          <p:cNvPr id="6" name="직사각형 5"/>
+          <p:cNvPr id="2" name="직사각형 1"/>
           <p:cNvSpPr/>
           <p:nvPr/>
         </p:nvSpPr>
         <p:spPr>
           <a:xfrm>
-            <a:off x="5669280" y="2306320"/>
-            <a:ext cx="1087120" cy="3576320"/>
+            <a:off x="1625600" y="2123440"/>
+            <a:ext cx="4358639" cy="1249680"/>
           </a:xfrm>
           <a:prstGeom prst="rect">
             <a:avLst/>
           </a:prstGeom>
-          <a:solidFill>
-            <a:schemeClr val="bg2"/>
-          </a:solidFill>
-          <a:ln>
-            <a:noFill/>
+          <a:noFill/>
+          <a:ln w="38100">
+            <a:solidFill>
+              <a:srgbClr val="FF0000"/>
+            </a:solidFill>
           </a:ln>
         </p:spPr>
         <p:style>
@@ -4462,14 +5783,14 @@
           <a:lstStyle/>
           <a:p>
             <a:pPr algn="ctr"/>
-            <a:endParaRPr lang="ko-KR" altLang="en-US" dirty="0"/>
+            <a:endParaRPr lang="ko-KR" altLang="en-US"/>
           </a:p>
         </p:txBody>
       </p:sp>
     </p:spTree>
     <p:extLst>
       <p:ext uri="{BB962C8B-B14F-4D97-AF65-F5344CB8AC3E}">
-        <p14:creationId xmlns:p14="http://schemas.microsoft.com/office/powerpoint/2010/main" val="2795230396"/>
+        <p14:creationId xmlns:p14="http://schemas.microsoft.com/office/powerpoint/2010/main" val="1988018248"/>
       </p:ext>
     </p:extLst>
   </p:cSld>
@@ -4505,7 +5826,7 @@
       </p:grpSpPr>
       <p:pic>
         <p:nvPicPr>
-          <p:cNvPr id="3" name="그림 2"/>
+          <p:cNvPr id="5" name="그림 4"/>
           <p:cNvPicPr>
             <a:picLocks noChangeAspect="1"/>
           </p:cNvPicPr>
@@ -4519,8 +5840,8 @@
         </p:blipFill>
         <p:spPr>
           <a:xfrm>
-            <a:off x="1534159" y="1113931"/>
-            <a:ext cx="6075682" cy="5321018"/>
+            <a:off x="1308216" y="1503680"/>
+            <a:ext cx="6527568" cy="4521200"/>
           </a:xfrm>
           <a:prstGeom prst="rect">
             <a:avLst/>
@@ -4551,7 +5872,7 @@
           <a:p>
             <a:r>
               <a:rPr lang="en-US" altLang="ko-KR" sz="2500" dirty="0" smtClean="0"/>
-              <a:t>Main function 2-2</a:t>
+              <a:t>Main function 2-1</a:t>
             </a:r>
             <a:endParaRPr lang="ko-KR" altLang="en-US" sz="2500" dirty="0"/>
           </a:p>
@@ -4559,23 +5880,23 @@
       </p:sp>
       <p:sp>
         <p:nvSpPr>
-          <p:cNvPr id="2" name="직사각형 1"/>
+          <p:cNvPr id="6" name="직사각형 5"/>
           <p:cNvSpPr/>
           <p:nvPr/>
         </p:nvSpPr>
         <p:spPr>
           <a:xfrm>
-            <a:off x="1632999" y="3593650"/>
-            <a:ext cx="3960977" cy="2762325"/>
+            <a:off x="5669280" y="2306320"/>
+            <a:ext cx="1087120" cy="3576320"/>
           </a:xfrm>
           <a:prstGeom prst="rect">
             <a:avLst/>
           </a:prstGeom>
-          <a:noFill/>
-          <a:ln w="38100">
-            <a:solidFill>
-              <a:srgbClr val="FF0000"/>
-            </a:solidFill>
+          <a:solidFill>
+            <a:schemeClr val="bg2"/>
+          </a:solidFill>
+          <a:ln>
+            <a:noFill/>
           </a:ln>
         </p:spPr>
         <p:style>
@@ -4599,14 +5920,14 @@
           <a:lstStyle/>
           <a:p>
             <a:pPr algn="ctr"/>
-            <a:endParaRPr lang="ko-KR" altLang="en-US"/>
+            <a:endParaRPr lang="ko-KR" altLang="en-US" dirty="0"/>
           </a:p>
         </p:txBody>
       </p:sp>
     </p:spTree>
     <p:extLst>
       <p:ext uri="{BB962C8B-B14F-4D97-AF65-F5344CB8AC3E}">
-        <p14:creationId xmlns:p14="http://schemas.microsoft.com/office/powerpoint/2010/main" val="1257865578"/>
+        <p14:creationId xmlns:p14="http://schemas.microsoft.com/office/powerpoint/2010/main" val="2795230396"/>
       </p:ext>
     </p:extLst>
   </p:cSld>
@@ -4640,39 +5961,9 @@
           <a:chExt cx="0" cy="0"/>
         </a:xfrm>
       </p:grpSpPr>
-      <p:sp>
-        <p:nvSpPr>
-          <p:cNvPr id="4" name="TextBox 3"/>
-          <p:cNvSpPr txBox="1"/>
-          <p:nvPr/>
-        </p:nvSpPr>
-        <p:spPr>
-          <a:xfrm>
-            <a:off x="413911" y="341376"/>
-            <a:ext cx="2509020" cy="477054"/>
-          </a:xfrm>
-          <a:prstGeom prst="rect">
-            <a:avLst/>
-          </a:prstGeom>
-          <a:noFill/>
-        </p:spPr>
-        <p:txBody>
-          <a:bodyPr wrap="none" rtlCol="0">
-            <a:spAutoFit/>
-          </a:bodyPr>
-          <a:lstStyle/>
-          <a:p>
-            <a:r>
-              <a:rPr lang="en-US" altLang="ko-KR" sz="2500" dirty="0" smtClean="0"/>
-              <a:t>Main function 2-2</a:t>
-            </a:r>
-            <a:endParaRPr lang="ko-KR" altLang="en-US" sz="2500" dirty="0"/>
-          </a:p>
-        </p:txBody>
-      </p:sp>
       <p:pic>
         <p:nvPicPr>
-          <p:cNvPr id="2" name="그림 1"/>
+          <p:cNvPr id="3" name="그림 2"/>
           <p:cNvPicPr>
             <a:picLocks noChangeAspect="1"/>
           </p:cNvPicPr>
@@ -4686,80 +5977,8 @@
         </p:blipFill>
         <p:spPr>
           <a:xfrm>
-            <a:off x="1507470" y="1468002"/>
-            <a:ext cx="6129057" cy="587099"/>
-          </a:xfrm>
-          <a:prstGeom prst="rect">
-            <a:avLst/>
-          </a:prstGeom>
-        </p:spPr>
-      </p:pic>
-      <p:pic>
-        <p:nvPicPr>
-          <p:cNvPr id="3" name="그림 2"/>
-          <p:cNvPicPr>
-            <a:picLocks noChangeAspect="1"/>
-          </p:cNvPicPr>
-          <p:nvPr/>
-        </p:nvPicPr>
-        <p:blipFill>
-          <a:blip r:embed="rId3"/>
-          <a:stretch>
-            <a:fillRect/>
-          </a:stretch>
-        </p:blipFill>
-        <p:spPr>
-          <a:xfrm>
-            <a:off x="1507471" y="2055101"/>
-            <a:ext cx="6129057" cy="588338"/>
-          </a:xfrm>
-          <a:prstGeom prst="rect">
-            <a:avLst/>
-          </a:prstGeom>
-        </p:spPr>
-      </p:pic>
-      <p:pic>
-        <p:nvPicPr>
-          <p:cNvPr id="7" name="그림 6"/>
-          <p:cNvPicPr>
-            <a:picLocks noChangeAspect="1"/>
-          </p:cNvPicPr>
-          <p:nvPr/>
-        </p:nvPicPr>
-        <p:blipFill>
-          <a:blip r:embed="rId4"/>
-          <a:stretch>
-            <a:fillRect/>
-          </a:stretch>
-        </p:blipFill>
-        <p:spPr>
-          <a:xfrm>
-            <a:off x="3173506" y="5495761"/>
-            <a:ext cx="2796988" cy="586686"/>
-          </a:xfrm>
-          <a:prstGeom prst="rect">
-            <a:avLst/>
-          </a:prstGeom>
-        </p:spPr>
-      </p:pic>
-      <p:pic>
-        <p:nvPicPr>
-          <p:cNvPr id="8" name="그림 7"/>
-          <p:cNvPicPr>
-            <a:picLocks noChangeAspect="1"/>
-          </p:cNvPicPr>
-          <p:nvPr/>
-        </p:nvPicPr>
-        <p:blipFill>
-          <a:blip r:embed="rId5"/>
-          <a:stretch>
-            <a:fillRect/>
-          </a:stretch>
-        </p:blipFill>
-        <p:spPr>
-          <a:xfrm>
-            <a:off x="1649506" y="4154866"/>
-            <a:ext cx="5844988" cy="1219754"/>
+            <a:off x="1534159" y="1113931"/>
+            <a:ext cx="6075682" cy="5321018"/>
           </a:xfrm>
           <a:prstGeom prst="rect">
             <a:avLst/>
@@ -4768,23 +5987,53 @@
       </p:pic>
       <p:sp>
         <p:nvSpPr>
-          <p:cNvPr id="9" name="왼쪽으로 구부러진 화살표 8"/>
+          <p:cNvPr id="4" name="TextBox 3"/>
+          <p:cNvSpPr txBox="1"/>
+          <p:nvPr/>
+        </p:nvSpPr>
+        <p:spPr>
+          <a:xfrm>
+            <a:off x="413911" y="341376"/>
+            <a:ext cx="2509020" cy="477054"/>
+          </a:xfrm>
+          <a:prstGeom prst="rect">
+            <a:avLst/>
+          </a:prstGeom>
+          <a:noFill/>
+        </p:spPr>
+        <p:txBody>
+          <a:bodyPr wrap="none" rtlCol="0">
+            <a:spAutoFit/>
+          </a:bodyPr>
+          <a:lstStyle/>
+          <a:p>
+            <a:r>
+              <a:rPr lang="en-US" altLang="ko-KR" sz="2500" dirty="0" smtClean="0"/>
+              <a:t>Main function 2-2</a:t>
+            </a:r>
+            <a:endParaRPr lang="ko-KR" altLang="en-US" sz="2500" dirty="0"/>
+          </a:p>
+        </p:txBody>
+      </p:sp>
+      <p:sp>
+        <p:nvSpPr>
+          <p:cNvPr id="2" name="직사각형 1"/>
           <p:cNvSpPr/>
           <p:nvPr/>
         </p:nvSpPr>
         <p:spPr>
-          <a:xfrm rot="10800000">
-            <a:off x="908233" y="4917142"/>
-            <a:ext cx="600636" cy="843079"/>
-          </a:xfrm>
-          <a:prstGeom prst="curvedLeftArrow">
-            <a:avLst/>
-          </a:prstGeom>
-          <a:solidFill>
-            <a:schemeClr val="tx1"/>
-          </a:solidFill>
-          <a:ln>
-            <a:noFill/>
+          <a:xfrm>
+            <a:off x="1632999" y="3593650"/>
+            <a:ext cx="3960977" cy="2762325"/>
+          </a:xfrm>
+          <a:prstGeom prst="rect">
+            <a:avLst/>
+          </a:prstGeom>
+          <a:noFill/>
+          <a:ln w="38100">
+            <a:solidFill>
+              <a:srgbClr val="FF0000"/>
+            </a:solidFill>
           </a:ln>
         </p:spPr>
         <p:style>
@@ -4808,68 +6057,14 @@
           <a:lstStyle/>
           <a:p>
             <a:pPr algn="ctr"/>
-            <a:endParaRPr lang="ko-KR" altLang="en-US">
-              <a:solidFill>
-                <a:schemeClr val="tx1"/>
-              </a:solidFill>
-            </a:endParaRPr>
-          </a:p>
-        </p:txBody>
-      </p:sp>
-      <p:sp>
-        <p:nvSpPr>
-          <p:cNvPr id="10" name="왼쪽으로 구부러진 화살표 9"/>
-          <p:cNvSpPr/>
-          <p:nvPr/>
-        </p:nvSpPr>
-        <p:spPr>
-          <a:xfrm>
-            <a:off x="7635130" y="4917141"/>
-            <a:ext cx="600636" cy="843079"/>
-          </a:xfrm>
-          <a:prstGeom prst="curvedLeftArrow">
-            <a:avLst/>
-          </a:prstGeom>
-          <a:solidFill>
-            <a:schemeClr val="tx1"/>
-          </a:solidFill>
-          <a:ln>
-            <a:noFill/>
-          </a:ln>
-        </p:spPr>
-        <p:style>
-          <a:lnRef idx="2">
-            <a:schemeClr val="accent1">
-              <a:shade val="50000"/>
-            </a:schemeClr>
-          </a:lnRef>
-          <a:fillRef idx="1">
-            <a:schemeClr val="accent1"/>
-          </a:fillRef>
-          <a:effectRef idx="0">
-            <a:schemeClr val="accent1"/>
-          </a:effectRef>
-          <a:fontRef idx="minor">
-            <a:schemeClr val="lt1"/>
-          </a:fontRef>
-        </p:style>
-        <p:txBody>
-          <a:bodyPr rtlCol="0" anchor="ctr"/>
-          <a:lstStyle/>
-          <a:p>
-            <a:pPr algn="ctr"/>
-            <a:endParaRPr lang="ko-KR" altLang="en-US">
-              <a:solidFill>
-                <a:schemeClr val="tx1"/>
-              </a:solidFill>
-            </a:endParaRPr>
+            <a:endParaRPr lang="ko-KR" altLang="en-US"/>
           </a:p>
         </p:txBody>
       </p:sp>
     </p:spTree>
     <p:extLst>
       <p:ext uri="{BB962C8B-B14F-4D97-AF65-F5344CB8AC3E}">
-        <p14:creationId xmlns:p14="http://schemas.microsoft.com/office/powerpoint/2010/main" val="209952101"/>
+        <p14:creationId xmlns:p14="http://schemas.microsoft.com/office/powerpoint/2010/main" val="1257865578"/>
       </p:ext>
     </p:extLst>
   </p:cSld>
@@ -4903,9 +6098,39 @@
           <a:chExt cx="0" cy="0"/>
         </a:xfrm>
       </p:grpSpPr>
+      <p:sp>
+        <p:nvSpPr>
+          <p:cNvPr id="4" name="TextBox 3"/>
+          <p:cNvSpPr txBox="1"/>
+          <p:nvPr/>
+        </p:nvSpPr>
+        <p:spPr>
+          <a:xfrm>
+            <a:off x="413911" y="341376"/>
+            <a:ext cx="2509020" cy="477054"/>
+          </a:xfrm>
+          <a:prstGeom prst="rect">
+            <a:avLst/>
+          </a:prstGeom>
+          <a:noFill/>
+        </p:spPr>
+        <p:txBody>
+          <a:bodyPr wrap="none" rtlCol="0">
+            <a:spAutoFit/>
+          </a:bodyPr>
+          <a:lstStyle/>
+          <a:p>
+            <a:r>
+              <a:rPr lang="en-US" altLang="ko-KR" sz="2500" dirty="0" smtClean="0"/>
+              <a:t>Main function 2-2</a:t>
+            </a:r>
+            <a:endParaRPr lang="ko-KR" altLang="en-US" sz="2500" dirty="0"/>
+          </a:p>
+        </p:txBody>
+      </p:sp>
       <p:pic>
         <p:nvPicPr>
-          <p:cNvPr id="5" name="그림 4"/>
+          <p:cNvPr id="2" name="그림 1"/>
           <p:cNvPicPr>
             <a:picLocks noChangeAspect="1"/>
           </p:cNvPicPr>
@@ -4919,8 +6144,80 @@
         </p:blipFill>
         <p:spPr>
           <a:xfrm>
-            <a:off x="1162023" y="1497106"/>
-            <a:ext cx="6819954" cy="4383742"/>
+            <a:off x="1507470" y="1468002"/>
+            <a:ext cx="6129057" cy="587099"/>
+          </a:xfrm>
+          <a:prstGeom prst="rect">
+            <a:avLst/>
+          </a:prstGeom>
+        </p:spPr>
+      </p:pic>
+      <p:pic>
+        <p:nvPicPr>
+          <p:cNvPr id="3" name="그림 2"/>
+          <p:cNvPicPr>
+            <a:picLocks noChangeAspect="1"/>
+          </p:cNvPicPr>
+          <p:nvPr/>
+        </p:nvPicPr>
+        <p:blipFill>
+          <a:blip r:embed="rId3"/>
+          <a:stretch>
+            <a:fillRect/>
+          </a:stretch>
+        </p:blipFill>
+        <p:spPr>
+          <a:xfrm>
+            <a:off x="1507471" y="2055101"/>
+            <a:ext cx="6129057" cy="588338"/>
+          </a:xfrm>
+          <a:prstGeom prst="rect">
+            <a:avLst/>
+          </a:prstGeom>
+        </p:spPr>
+      </p:pic>
+      <p:pic>
+        <p:nvPicPr>
+          <p:cNvPr id="7" name="그림 6"/>
+          <p:cNvPicPr>
+            <a:picLocks noChangeAspect="1"/>
+          </p:cNvPicPr>
+          <p:nvPr/>
+        </p:nvPicPr>
+        <p:blipFill>
+          <a:blip r:embed="rId4"/>
+          <a:stretch>
+            <a:fillRect/>
+          </a:stretch>
+        </p:blipFill>
+        <p:spPr>
+          <a:xfrm>
+            <a:off x="3173506" y="5495761"/>
+            <a:ext cx="2796988" cy="586686"/>
+          </a:xfrm>
+          <a:prstGeom prst="rect">
+            <a:avLst/>
+          </a:prstGeom>
+        </p:spPr>
+      </p:pic>
+      <p:pic>
+        <p:nvPicPr>
+          <p:cNvPr id="8" name="그림 7"/>
+          <p:cNvPicPr>
+            <a:picLocks noChangeAspect="1"/>
+          </p:cNvPicPr>
+          <p:nvPr/>
+        </p:nvPicPr>
+        <p:blipFill>
+          <a:blip r:embed="rId5"/>
+          <a:stretch>
+            <a:fillRect/>
+          </a:stretch>
+        </p:blipFill>
+        <p:spPr>
+          <a:xfrm>
+            <a:off x="1649506" y="4154866"/>
+            <a:ext cx="5844988" cy="1219754"/>
           </a:xfrm>
           <a:prstGeom prst="rect">
             <a:avLst/>
@@ -4929,53 +6226,23 @@
       </p:pic>
       <p:sp>
         <p:nvSpPr>
-          <p:cNvPr id="4" name="TextBox 3"/>
-          <p:cNvSpPr txBox="1"/>
+          <p:cNvPr id="9" name="왼쪽으로 구부러진 화살표 8"/>
+          <p:cNvSpPr/>
           <p:nvPr/>
         </p:nvSpPr>
         <p:spPr>
-          <a:xfrm>
-            <a:off x="413911" y="341376"/>
-            <a:ext cx="2509020" cy="477054"/>
-          </a:xfrm>
-          <a:prstGeom prst="rect">
-            <a:avLst/>
-          </a:prstGeom>
-          <a:noFill/>
-        </p:spPr>
-        <p:txBody>
-          <a:bodyPr wrap="none" rtlCol="0">
-            <a:spAutoFit/>
-          </a:bodyPr>
-          <a:lstStyle/>
-          <a:p>
-            <a:r>
-              <a:rPr lang="en-US" altLang="ko-KR" sz="2500" dirty="0" smtClean="0"/>
-              <a:t>Main function 3-1</a:t>
-            </a:r>
-            <a:endParaRPr lang="ko-KR" altLang="en-US" sz="2500" dirty="0"/>
-          </a:p>
-        </p:txBody>
-      </p:sp>
-      <p:sp>
-        <p:nvSpPr>
-          <p:cNvPr id="2" name="직사각형 1"/>
-          <p:cNvSpPr/>
-          <p:nvPr/>
-        </p:nvSpPr>
-        <p:spPr>
-          <a:xfrm>
-            <a:off x="1231154" y="2616499"/>
-            <a:ext cx="4264212" cy="1148677"/>
-          </a:xfrm>
-          <a:prstGeom prst="rect">
-            <a:avLst/>
-          </a:prstGeom>
-          <a:noFill/>
-          <a:ln w="38100">
-            <a:solidFill>
-              <a:srgbClr val="FF0000"/>
-            </a:solidFill>
+          <a:xfrm rot="10800000">
+            <a:off x="908233" y="4917142"/>
+            <a:ext cx="600636" cy="843079"/>
+          </a:xfrm>
+          <a:prstGeom prst="curvedLeftArrow">
+            <a:avLst/>
+          </a:prstGeom>
+          <a:solidFill>
+            <a:schemeClr val="tx1"/>
+          </a:solidFill>
+          <a:ln>
+            <a:noFill/>
           </a:ln>
         </p:spPr>
         <p:style>
@@ -4999,14 +6266,68 @@
           <a:lstStyle/>
           <a:p>
             <a:pPr algn="ctr"/>
-            <a:endParaRPr lang="ko-KR" altLang="en-US"/>
+            <a:endParaRPr lang="ko-KR" altLang="en-US">
+              <a:solidFill>
+                <a:schemeClr val="tx1"/>
+              </a:solidFill>
+            </a:endParaRPr>
+          </a:p>
+        </p:txBody>
+      </p:sp>
+      <p:sp>
+        <p:nvSpPr>
+          <p:cNvPr id="10" name="왼쪽으로 구부러진 화살표 9"/>
+          <p:cNvSpPr/>
+          <p:nvPr/>
+        </p:nvSpPr>
+        <p:spPr>
+          <a:xfrm>
+            <a:off x="7635130" y="4917141"/>
+            <a:ext cx="600636" cy="843079"/>
+          </a:xfrm>
+          <a:prstGeom prst="curvedLeftArrow">
+            <a:avLst/>
+          </a:prstGeom>
+          <a:solidFill>
+            <a:schemeClr val="tx1"/>
+          </a:solidFill>
+          <a:ln>
+            <a:noFill/>
+          </a:ln>
+        </p:spPr>
+        <p:style>
+          <a:lnRef idx="2">
+            <a:schemeClr val="accent1">
+              <a:shade val="50000"/>
+            </a:schemeClr>
+          </a:lnRef>
+          <a:fillRef idx="1">
+            <a:schemeClr val="accent1"/>
+          </a:fillRef>
+          <a:effectRef idx="0">
+            <a:schemeClr val="accent1"/>
+          </a:effectRef>
+          <a:fontRef idx="minor">
+            <a:schemeClr val="lt1"/>
+          </a:fontRef>
+        </p:style>
+        <p:txBody>
+          <a:bodyPr rtlCol="0" anchor="ctr"/>
+          <a:lstStyle/>
+          <a:p>
+            <a:pPr algn="ctr"/>
+            <a:endParaRPr lang="ko-KR" altLang="en-US">
+              <a:solidFill>
+                <a:schemeClr val="tx1"/>
+              </a:solidFill>
+            </a:endParaRPr>
           </a:p>
         </p:txBody>
       </p:sp>
     </p:spTree>
     <p:extLst>
       <p:ext uri="{BB962C8B-B14F-4D97-AF65-F5344CB8AC3E}">
-        <p14:creationId xmlns:p14="http://schemas.microsoft.com/office/powerpoint/2010/main" val="3071361454"/>
+        <p14:creationId xmlns:p14="http://schemas.microsoft.com/office/powerpoint/2010/main" val="209952101"/>
       </p:ext>
     </p:extLst>
   </p:cSld>
@@ -5040,39 +6361,9 @@
           <a:chExt cx="0" cy="0"/>
         </a:xfrm>
       </p:grpSpPr>
-      <p:sp>
-        <p:nvSpPr>
-          <p:cNvPr id="4" name="TextBox 3"/>
-          <p:cNvSpPr txBox="1"/>
-          <p:nvPr/>
-        </p:nvSpPr>
-        <p:spPr>
-          <a:xfrm>
-            <a:off x="413911" y="341376"/>
-            <a:ext cx="2509020" cy="477054"/>
-          </a:xfrm>
-          <a:prstGeom prst="rect">
-            <a:avLst/>
-          </a:prstGeom>
-          <a:noFill/>
-        </p:spPr>
-        <p:txBody>
-          <a:bodyPr wrap="none" rtlCol="0">
-            <a:spAutoFit/>
-          </a:bodyPr>
-          <a:lstStyle/>
-          <a:p>
-            <a:r>
-              <a:rPr lang="en-US" altLang="ko-KR" sz="2500" dirty="0" smtClean="0"/>
-              <a:t>Main function 3-1</a:t>
-            </a:r>
-            <a:endParaRPr lang="ko-KR" altLang="en-US" sz="2500" dirty="0"/>
-          </a:p>
-        </p:txBody>
-      </p:sp>
       <p:pic>
         <p:nvPicPr>
-          <p:cNvPr id="3" name="그림 2"/>
+          <p:cNvPr id="5" name="그림 4"/>
           <p:cNvPicPr>
             <a:picLocks noChangeAspect="1"/>
           </p:cNvPicPr>
@@ -5086,18 +6377,94 @@
         </p:blipFill>
         <p:spPr>
           <a:xfrm>
-            <a:off x="1649506" y="1133345"/>
-            <a:ext cx="5844988" cy="5308492"/>
+            <a:off x="1162023" y="1497106"/>
+            <a:ext cx="6819954" cy="4383742"/>
           </a:xfrm>
           <a:prstGeom prst="rect">
             <a:avLst/>
           </a:prstGeom>
         </p:spPr>
       </p:pic>
+      <p:sp>
+        <p:nvSpPr>
+          <p:cNvPr id="4" name="TextBox 3"/>
+          <p:cNvSpPr txBox="1"/>
+          <p:nvPr/>
+        </p:nvSpPr>
+        <p:spPr>
+          <a:xfrm>
+            <a:off x="413911" y="341376"/>
+            <a:ext cx="2509020" cy="477054"/>
+          </a:xfrm>
+          <a:prstGeom prst="rect">
+            <a:avLst/>
+          </a:prstGeom>
+          <a:noFill/>
+        </p:spPr>
+        <p:txBody>
+          <a:bodyPr wrap="none" rtlCol="0">
+            <a:spAutoFit/>
+          </a:bodyPr>
+          <a:lstStyle/>
+          <a:p>
+            <a:r>
+              <a:rPr lang="en-US" altLang="ko-KR" sz="2500" dirty="0" smtClean="0"/>
+              <a:t>Main function 3-1</a:t>
+            </a:r>
+            <a:endParaRPr lang="ko-KR" altLang="en-US" sz="2500" dirty="0"/>
+          </a:p>
+        </p:txBody>
+      </p:sp>
+      <p:sp>
+        <p:nvSpPr>
+          <p:cNvPr id="2" name="직사각형 1"/>
+          <p:cNvSpPr/>
+          <p:nvPr/>
+        </p:nvSpPr>
+        <p:spPr>
+          <a:xfrm>
+            <a:off x="1231154" y="2616499"/>
+            <a:ext cx="4264212" cy="1148677"/>
+          </a:xfrm>
+          <a:prstGeom prst="rect">
+            <a:avLst/>
+          </a:prstGeom>
+          <a:noFill/>
+          <a:ln w="38100">
+            <a:solidFill>
+              <a:srgbClr val="FF0000"/>
+            </a:solidFill>
+          </a:ln>
+        </p:spPr>
+        <p:style>
+          <a:lnRef idx="2">
+            <a:schemeClr val="accent1">
+              <a:shade val="50000"/>
+            </a:schemeClr>
+          </a:lnRef>
+          <a:fillRef idx="1">
+            <a:schemeClr val="accent1"/>
+          </a:fillRef>
+          <a:effectRef idx="0">
+            <a:schemeClr val="accent1"/>
+          </a:effectRef>
+          <a:fontRef idx="minor">
+            <a:schemeClr val="lt1"/>
+          </a:fontRef>
+        </p:style>
+        <p:txBody>
+          <a:bodyPr rtlCol="0" anchor="ctr"/>
+          <a:lstStyle/>
+          <a:p>
+            <a:pPr algn="ctr"/>
+            <a:endParaRPr lang="ko-KR" altLang="en-US"/>
+          </a:p>
+        </p:txBody>
+      </p:sp>
     </p:spTree>
     <p:extLst>
       <p:ext uri="{BB962C8B-B14F-4D97-AF65-F5344CB8AC3E}">
-        <p14:creationId xmlns:p14="http://schemas.microsoft.com/office/powerpoint/2010/main" val="893044016"/>
+        <p14:creationId xmlns:p14="http://schemas.microsoft.com/office/powerpoint/2010/main" val="3071361454"/>
       </p:ext>
     </p:extLst>
   </p:cSld>
@@ -5586,6 +6953,97 @@
           <a:chExt cx="0" cy="0"/>
         </a:xfrm>
       </p:grpSpPr>
+      <p:sp>
+        <p:nvSpPr>
+          <p:cNvPr id="4" name="TextBox 3"/>
+          <p:cNvSpPr txBox="1"/>
+          <p:nvPr/>
+        </p:nvSpPr>
+        <p:spPr>
+          <a:xfrm>
+            <a:off x="413911" y="341376"/>
+            <a:ext cx="2509020" cy="477054"/>
+          </a:xfrm>
+          <a:prstGeom prst="rect">
+            <a:avLst/>
+          </a:prstGeom>
+          <a:noFill/>
+        </p:spPr>
+        <p:txBody>
+          <a:bodyPr wrap="none" rtlCol="0">
+            <a:spAutoFit/>
+          </a:bodyPr>
+          <a:lstStyle/>
+          <a:p>
+            <a:r>
+              <a:rPr lang="en-US" altLang="ko-KR" sz="2500" dirty="0" smtClean="0"/>
+              <a:t>Main function 3-1</a:t>
+            </a:r>
+            <a:endParaRPr lang="ko-KR" altLang="en-US" sz="2500" dirty="0"/>
+          </a:p>
+        </p:txBody>
+      </p:sp>
+      <p:pic>
+        <p:nvPicPr>
+          <p:cNvPr id="3" name="그림 2"/>
+          <p:cNvPicPr>
+            <a:picLocks noChangeAspect="1"/>
+          </p:cNvPicPr>
+          <p:nvPr/>
+        </p:nvPicPr>
+        <p:blipFill>
+          <a:blip r:embed="rId2"/>
+          <a:stretch>
+            <a:fillRect/>
+          </a:stretch>
+        </p:blipFill>
+        <p:spPr>
+          <a:xfrm>
+            <a:off x="1649506" y="1133345"/>
+            <a:ext cx="5844988" cy="5308492"/>
+          </a:xfrm>
+          <a:prstGeom prst="rect">
+            <a:avLst/>
+          </a:prstGeom>
+        </p:spPr>
+      </p:pic>
+    </p:spTree>
+    <p:extLst>
+      <p:ext uri="{BB962C8B-B14F-4D97-AF65-F5344CB8AC3E}">
+        <p14:creationId xmlns:p14="http://schemas.microsoft.com/office/powerpoint/2010/main" val="893044016"/>
+      </p:ext>
+    </p:extLst>
+  </p:cSld>
+  <p:clrMapOvr>
+    <a:masterClrMapping/>
+  </p:clrMapOvr>
+  <p:timing>
+    <p:tnLst>
+      <p:par>
+        <p:cTn id="1" dur="indefinite" restart="never" nodeType="tmRoot"/>
+      </p:par>
+    </p:tnLst>
+  </p:timing>
+</p:sld>
+</file>
+
+<file path=ppt/slides/slide21.xml><?xml version="1.0" encoding="utf-8"?>
+<p:sld xmlns:a="http://schemas.openxmlformats.org/drawingml/2006/main" xmlns:r="http://schemas.openxmlformats.org/officeDocument/2006/relationships" xmlns:p="http://schemas.openxmlformats.org/presentationml/2006/main">
+  <p:cSld>
+    <p:spTree>
+      <p:nvGrpSpPr>
+        <p:cNvPr id="1" name=""/>
+        <p:cNvGrpSpPr/>
+        <p:nvPr/>
+      </p:nvGrpSpPr>
+      <p:grpSpPr>
+        <a:xfrm>
+          <a:off x="0" y="0"/>
+          <a:ext cx="0" cy="0"/>
+          <a:chOff x="0" y="0"/>
+          <a:chExt cx="0" cy="0"/>
+        </a:xfrm>
+      </p:grpSpPr>
       <p:pic>
         <p:nvPicPr>
           <p:cNvPr id="7" name="그림 6"/>
@@ -5706,7 +7164,7 @@
 </p:sld>
 </file>
 
-<file path=ppt/slides/slide21.xml><?xml version="1.0" encoding="utf-8"?>
+<file path=ppt/slides/slide22.xml><?xml version="1.0" encoding="utf-8"?>
 <p:sld xmlns:a="http://schemas.openxmlformats.org/drawingml/2006/main" xmlns:r="http://schemas.openxmlformats.org/officeDocument/2006/relationships" xmlns:p="http://schemas.openxmlformats.org/presentationml/2006/main">
   <p:cSld>
     <p:spTree>
